--- a/4 - Fuzzing af applikationer.pptx
+++ b/4 - Fuzzing af applikationer.pptx
@@ -8,10 +8,6 @@
     <p:sldId id="256" r:id="rId2"/>
     <p:sldId id="260" r:id="rId3"/>
     <p:sldId id="262" r:id="rId4"/>
-    <p:sldId id="258" r:id="rId5"/>
-    <p:sldId id="261" r:id="rId6"/>
-    <p:sldId id="257" r:id="rId7"/>
-    <p:sldId id="259" r:id="rId8"/>
   </p:sldIdLst>
   <p:sldSz cx="12192000" cy="6858000"/>
   <p:notesSz cx="6858000" cy="9144000"/>
@@ -249,7 +245,7 @@
           <a:p>
             <a:fld id="{2D7FE219-F25D-49CA-BAF6-41155C8B64D3}" type="datetimeFigureOut">
               <a:rPr lang="en-US" smtClean="0"/>
-              <a:t>10/24/2021</a:t>
+              <a:t>10/25/2021</a:t>
             </a:fld>
             <a:endParaRPr lang="en-US"/>
           </a:p>
@@ -419,7 +415,7 @@
           <a:p>
             <a:fld id="{2D7FE219-F25D-49CA-BAF6-41155C8B64D3}" type="datetimeFigureOut">
               <a:rPr lang="en-US" smtClean="0"/>
-              <a:t>10/24/2021</a:t>
+              <a:t>10/25/2021</a:t>
             </a:fld>
             <a:endParaRPr lang="en-US"/>
           </a:p>
@@ -599,7 +595,7 @@
           <a:p>
             <a:fld id="{2D7FE219-F25D-49CA-BAF6-41155C8B64D3}" type="datetimeFigureOut">
               <a:rPr lang="en-US" smtClean="0"/>
-              <a:t>10/24/2021</a:t>
+              <a:t>10/25/2021</a:t>
             </a:fld>
             <a:endParaRPr lang="en-US"/>
           </a:p>
@@ -769,7 +765,7 @@
           <a:p>
             <a:fld id="{2D7FE219-F25D-49CA-BAF6-41155C8B64D3}" type="datetimeFigureOut">
               <a:rPr lang="en-US" smtClean="0"/>
-              <a:t>10/24/2021</a:t>
+              <a:t>10/25/2021</a:t>
             </a:fld>
             <a:endParaRPr lang="en-US"/>
           </a:p>
@@ -1015,7 +1011,7 @@
           <a:p>
             <a:fld id="{2D7FE219-F25D-49CA-BAF6-41155C8B64D3}" type="datetimeFigureOut">
               <a:rPr lang="en-US" smtClean="0"/>
-              <a:t>10/24/2021</a:t>
+              <a:t>10/25/2021</a:t>
             </a:fld>
             <a:endParaRPr lang="en-US"/>
           </a:p>
@@ -1247,7 +1243,7 @@
           <a:p>
             <a:fld id="{2D7FE219-F25D-49CA-BAF6-41155C8B64D3}" type="datetimeFigureOut">
               <a:rPr lang="en-US" smtClean="0"/>
-              <a:t>10/24/2021</a:t>
+              <a:t>10/25/2021</a:t>
             </a:fld>
             <a:endParaRPr lang="en-US"/>
           </a:p>
@@ -1614,7 +1610,7 @@
           <a:p>
             <a:fld id="{2D7FE219-F25D-49CA-BAF6-41155C8B64D3}" type="datetimeFigureOut">
               <a:rPr lang="en-US" smtClean="0"/>
-              <a:t>10/24/2021</a:t>
+              <a:t>10/25/2021</a:t>
             </a:fld>
             <a:endParaRPr lang="en-US"/>
           </a:p>
@@ -1732,7 +1728,7 @@
           <a:p>
             <a:fld id="{2D7FE219-F25D-49CA-BAF6-41155C8B64D3}" type="datetimeFigureOut">
               <a:rPr lang="en-US" smtClean="0"/>
-              <a:t>10/24/2021</a:t>
+              <a:t>10/25/2021</a:t>
             </a:fld>
             <a:endParaRPr lang="en-US"/>
           </a:p>
@@ -1827,7 +1823,7 @@
           <a:p>
             <a:fld id="{2D7FE219-F25D-49CA-BAF6-41155C8B64D3}" type="datetimeFigureOut">
               <a:rPr lang="en-US" smtClean="0"/>
-              <a:t>10/24/2021</a:t>
+              <a:t>10/25/2021</a:t>
             </a:fld>
             <a:endParaRPr lang="en-US"/>
           </a:p>
@@ -2104,7 +2100,7 @@
           <a:p>
             <a:fld id="{2D7FE219-F25D-49CA-BAF6-41155C8B64D3}" type="datetimeFigureOut">
               <a:rPr lang="en-US" smtClean="0"/>
-              <a:t>10/24/2021</a:t>
+              <a:t>10/25/2021</a:t>
             </a:fld>
             <a:endParaRPr lang="en-US"/>
           </a:p>
@@ -2357,7 +2353,7 @@
           <a:p>
             <a:fld id="{2D7FE219-F25D-49CA-BAF6-41155C8B64D3}" type="datetimeFigureOut">
               <a:rPr lang="en-US" smtClean="0"/>
-              <a:t>10/24/2021</a:t>
+              <a:t>10/25/2021</a:t>
             </a:fld>
             <a:endParaRPr lang="en-US"/>
           </a:p>
@@ -2570,7 +2566,7 @@
           <a:p>
             <a:fld id="{2D7FE219-F25D-49CA-BAF6-41155C8B64D3}" type="datetimeFigureOut">
               <a:rPr lang="en-US" smtClean="0"/>
-              <a:t>10/24/2021</a:t>
+              <a:t>10/25/2021</a:t>
             </a:fld>
             <a:endParaRPr lang="en-US"/>
           </a:p>
@@ -3017,8 +3013,8 @@
           </a:lstStyle>
           <a:p>
             <a:r>
-              <a:rPr lang="en-GB" smtClean="0"/>
-              <a:t>10.</a:t>
+              <a:rPr lang="en-GB" dirty="0" smtClean="0"/>
+              <a:t>4.</a:t>
             </a:r>
             <a:endParaRPr lang="en-US" dirty="0"/>
           </a:p>
@@ -3332,7 +3328,6 @@
               <a:rPr lang="en-GB" dirty="0" smtClean="0"/>
               <a:t>GDPR</a:t>
             </a:r>
-            <a:endParaRPr lang="en-GB" dirty="0" smtClean="0"/>
           </a:p>
           <a:p>
             <a:pPr lvl="1"/>
@@ -3381,7 +3376,6 @@
               <a:rPr lang="en-GB" dirty="0" smtClean="0"/>
               <a:t> $1.2B</a:t>
             </a:r>
-            <a:endParaRPr lang="en-GB" dirty="0" smtClean="0"/>
           </a:p>
           <a:p>
             <a:endParaRPr lang="en-GB" dirty="0" smtClean="0"/>
@@ -3883,26 +3877,34 @@
           <a:p>
             <a:pPr lvl="1"/>
             <a:r>
+              <a:rPr lang="en-GB" dirty="0"/>
+              <a:t>Unpatched software</a:t>
+            </a:r>
+          </a:p>
+          <a:p>
+            <a:pPr lvl="1"/>
+            <a:r>
+              <a:rPr lang="en-GB" dirty="0"/>
+              <a:t>Legacy </a:t>
+            </a:r>
+            <a:r>
+              <a:rPr lang="en-GB" dirty="0" err="1"/>
+              <a:t>systemer</a:t>
+            </a:r>
+            <a:endParaRPr lang="en-GB"/>
+          </a:p>
+          <a:p>
+            <a:r>
+              <a:rPr lang="en-GB" smtClean="0"/>
+              <a:t>Højkvalitetssoftware</a:t>
+            </a:r>
+            <a:r>
               <a:rPr lang="en-GB" dirty="0" smtClean="0"/>
-              <a:t>Patching</a:t>
-            </a:r>
-          </a:p>
-          <a:p>
-            <a:pPr lvl="1"/>
-            <a:r>
-              <a:rPr lang="en-GB" dirty="0" err="1" smtClean="0"/>
-              <a:t>Udfasning</a:t>
-            </a:r>
-            <a:endParaRPr lang="en-GB" dirty="0" smtClean="0"/>
-          </a:p>
-          <a:p>
-            <a:r>
-              <a:rPr lang="en-GB" dirty="0" err="1" smtClean="0"/>
-              <a:t>Højkvalitetssoftware</a:t>
+              <a:t> </a:t>
             </a:r>
             <a:r>
               <a:rPr lang="en-GB" dirty="0" smtClean="0"/>
-              <a:t> = </a:t>
+              <a:t>= </a:t>
             </a:r>
             <a:r>
               <a:rPr lang="en-GB" dirty="0" err="1" smtClean="0"/>
@@ -3924,677 +3926,6 @@
     <p:extLst>
       <p:ext uri="{BB962C8B-B14F-4D97-AF65-F5344CB8AC3E}">
         <p14:creationId xmlns:p14="http://schemas.microsoft.com/office/powerpoint/2010/main" val="2153178993"/>
-      </p:ext>
-    </p:extLst>
-  </p:cSld>
-  <p:clrMapOvr>
-    <a:masterClrMapping/>
-  </p:clrMapOvr>
-</p:sld>
-</file>
-
-<file path=ppt/slides/slide4.xml><?xml version="1.0" encoding="utf-8"?>
-<p:sld xmlns:a="http://schemas.openxmlformats.org/drawingml/2006/main" xmlns:r="http://schemas.openxmlformats.org/officeDocument/2006/relationships" xmlns:p="http://schemas.openxmlformats.org/presentationml/2006/main">
-  <p:cSld>
-    <p:spTree>
-      <p:nvGrpSpPr>
-        <p:cNvPr id="1" name=""/>
-        <p:cNvGrpSpPr/>
-        <p:nvPr/>
-      </p:nvGrpSpPr>
-      <p:grpSpPr>
-        <a:xfrm>
-          <a:off x="0" y="0"/>
-          <a:ext cx="0" cy="0"/>
-          <a:chOff x="0" y="0"/>
-          <a:chExt cx="0" cy="0"/>
-        </a:xfrm>
-      </p:grpSpPr>
-      <p:sp>
-        <p:nvSpPr>
-          <p:cNvPr id="2" name="Title 1"/>
-          <p:cNvSpPr>
-            <a:spLocks noGrp="1"/>
-          </p:cNvSpPr>
-          <p:nvPr>
-            <p:ph type="title"/>
-          </p:nvPr>
-        </p:nvSpPr>
-        <p:spPr/>
-        <p:txBody>
-          <a:bodyPr/>
-          <a:lstStyle/>
-          <a:p>
-            <a:r>
-              <a:rPr lang="en-GB" dirty="0" smtClean="0">
-                <a:latin typeface="Bahnschrift Light" panose="020B0502040204020203" pitchFamily="34" charset="0"/>
-              </a:rPr>
-              <a:t>Privacy by Design</a:t>
-            </a:r>
-            <a:endParaRPr lang="en-US" dirty="0">
-              <a:latin typeface="Bahnschrift Light" panose="020B0502040204020203" pitchFamily="34" charset="0"/>
-            </a:endParaRPr>
-          </a:p>
-        </p:txBody>
-      </p:sp>
-      <p:sp>
-        <p:nvSpPr>
-          <p:cNvPr id="3" name="Content Placeholder 2"/>
-          <p:cNvSpPr>
-            <a:spLocks noGrp="1"/>
-          </p:cNvSpPr>
-          <p:nvPr>
-            <p:ph idx="1"/>
-          </p:nvPr>
-        </p:nvSpPr>
-        <p:spPr/>
-        <p:txBody>
-          <a:bodyPr/>
-          <a:lstStyle/>
-          <a:p>
-            <a:r>
-              <a:rPr lang="en-GB" dirty="0" smtClean="0"/>
-              <a:t>De 7 </a:t>
-            </a:r>
-            <a:r>
-              <a:rPr lang="en-GB" dirty="0" err="1" smtClean="0"/>
-              <a:t>C’er</a:t>
-            </a:r>
-            <a:endParaRPr lang="en-GB" dirty="0" smtClean="0"/>
-          </a:p>
-          <a:p>
-            <a:pPr lvl="1"/>
-            <a:r>
-              <a:rPr lang="en-GB" dirty="0" smtClean="0"/>
-              <a:t>Comprehension – </a:t>
-            </a:r>
-            <a:r>
-              <a:rPr lang="en-GB" i="1" dirty="0" err="1" smtClean="0"/>
-              <a:t>hvem</a:t>
-            </a:r>
-            <a:r>
-              <a:rPr lang="en-GB" i="1" dirty="0" smtClean="0"/>
-              <a:t> </a:t>
-            </a:r>
-            <a:r>
-              <a:rPr lang="en-GB" i="1" dirty="0" err="1" smtClean="0"/>
-              <a:t>opsamler</a:t>
-            </a:r>
-            <a:r>
-              <a:rPr lang="en-GB" i="1" dirty="0" smtClean="0"/>
-              <a:t> data?</a:t>
-            </a:r>
-            <a:endParaRPr lang="en-GB" dirty="0" smtClean="0"/>
-          </a:p>
-          <a:p>
-            <a:pPr lvl="1"/>
-            <a:r>
-              <a:rPr lang="en-GB" dirty="0" smtClean="0"/>
-              <a:t>Consciousness – </a:t>
-            </a:r>
-            <a:r>
-              <a:rPr lang="en-GB" i="1" dirty="0" err="1" smtClean="0"/>
-              <a:t>hvor</a:t>
-            </a:r>
-            <a:r>
-              <a:rPr lang="en-GB" i="1" dirty="0" smtClean="0"/>
-              <a:t> </a:t>
-            </a:r>
-            <a:r>
-              <a:rPr lang="en-GB" i="1" dirty="0" err="1" smtClean="0"/>
-              <a:t>og</a:t>
-            </a:r>
-            <a:r>
-              <a:rPr lang="en-GB" i="1" dirty="0" smtClean="0"/>
-              <a:t> </a:t>
-            </a:r>
-            <a:r>
-              <a:rPr lang="en-GB" i="1" dirty="0" err="1" smtClean="0"/>
-              <a:t>hvornår</a:t>
-            </a:r>
-            <a:r>
-              <a:rPr lang="en-GB" i="1" dirty="0" smtClean="0"/>
-              <a:t> </a:t>
-            </a:r>
-            <a:r>
-              <a:rPr lang="en-GB" i="1" dirty="0" err="1" smtClean="0"/>
-              <a:t>opsamles</a:t>
-            </a:r>
-            <a:r>
-              <a:rPr lang="en-GB" i="1" dirty="0" smtClean="0"/>
-              <a:t> data?</a:t>
-            </a:r>
-            <a:endParaRPr lang="en-GB" dirty="0" smtClean="0"/>
-          </a:p>
-          <a:p>
-            <a:pPr lvl="1"/>
-            <a:r>
-              <a:rPr lang="en-GB" dirty="0" smtClean="0"/>
-              <a:t>Choice – </a:t>
-            </a:r>
-            <a:r>
-              <a:rPr lang="en-GB" i="1" dirty="0" err="1" smtClean="0"/>
-              <a:t>informeret</a:t>
-            </a:r>
-            <a:r>
-              <a:rPr lang="en-GB" i="1" dirty="0" smtClean="0"/>
-              <a:t> </a:t>
-            </a:r>
-            <a:r>
-              <a:rPr lang="en-GB" i="1" dirty="0" err="1" smtClean="0"/>
-              <a:t>valg</a:t>
-            </a:r>
-            <a:endParaRPr lang="en-GB" dirty="0" smtClean="0"/>
-          </a:p>
-          <a:p>
-            <a:pPr lvl="1"/>
-            <a:r>
-              <a:rPr lang="en-GB" dirty="0" err="1" smtClean="0"/>
-              <a:t>Concent</a:t>
-            </a:r>
-            <a:r>
-              <a:rPr lang="en-GB" dirty="0" smtClean="0"/>
-              <a:t> - </a:t>
-            </a:r>
-            <a:r>
-              <a:rPr lang="en-GB" i="1" dirty="0" err="1" smtClean="0"/>
-              <a:t>Samtykke</a:t>
-            </a:r>
-            <a:endParaRPr lang="en-GB" dirty="0" smtClean="0"/>
-          </a:p>
-          <a:p>
-            <a:pPr lvl="1"/>
-            <a:r>
-              <a:rPr lang="en-GB" dirty="0" smtClean="0"/>
-              <a:t>Context – </a:t>
-            </a:r>
-            <a:r>
-              <a:rPr lang="en-GB" i="1" dirty="0" err="1" smtClean="0"/>
-              <a:t>Kontext</a:t>
-            </a:r>
-            <a:r>
-              <a:rPr lang="en-GB" i="1" dirty="0" smtClean="0"/>
-              <a:t> </a:t>
-            </a:r>
-            <a:r>
-              <a:rPr lang="en-GB" i="1" dirty="0" err="1" smtClean="0"/>
-              <a:t>styrer</a:t>
-            </a:r>
-            <a:r>
-              <a:rPr lang="en-GB" i="1" dirty="0" smtClean="0"/>
-              <a:t> </a:t>
-            </a:r>
-            <a:r>
-              <a:rPr lang="en-GB" i="1" dirty="0" err="1" smtClean="0"/>
-              <a:t>præferencer</a:t>
-            </a:r>
-            <a:endParaRPr lang="en-GB" dirty="0" smtClean="0"/>
-          </a:p>
-          <a:p>
-            <a:pPr lvl="1"/>
-            <a:r>
-              <a:rPr lang="en-GB" dirty="0" smtClean="0"/>
-              <a:t>Confinement – </a:t>
-            </a:r>
-            <a:r>
-              <a:rPr lang="en-GB" i="1" dirty="0" err="1" smtClean="0"/>
-              <a:t>indsamling</a:t>
-            </a:r>
-            <a:r>
-              <a:rPr lang="en-GB" i="1" dirty="0" smtClean="0"/>
-              <a:t> </a:t>
-            </a:r>
-            <a:r>
-              <a:rPr lang="en-GB" i="1" dirty="0" err="1" smtClean="0"/>
-              <a:t>begrænset</a:t>
-            </a:r>
-            <a:r>
-              <a:rPr lang="en-GB" i="1" dirty="0" smtClean="0"/>
-              <a:t> </a:t>
-            </a:r>
-            <a:r>
-              <a:rPr lang="en-GB" i="1" dirty="0" err="1" smtClean="0"/>
-              <a:t>af</a:t>
-            </a:r>
-            <a:r>
-              <a:rPr lang="en-GB" i="1" dirty="0" smtClean="0"/>
-              <a:t> </a:t>
-            </a:r>
-            <a:r>
-              <a:rPr lang="en-GB" i="1" dirty="0" err="1" smtClean="0"/>
-              <a:t>formål</a:t>
-            </a:r>
-            <a:endParaRPr lang="en-GB" dirty="0" smtClean="0"/>
-          </a:p>
-          <a:p>
-            <a:pPr lvl="1"/>
-            <a:r>
-              <a:rPr lang="en-GB" dirty="0" smtClean="0"/>
-              <a:t>Consistency - </a:t>
-            </a:r>
-            <a:endParaRPr lang="en-GB" dirty="0" smtClean="0"/>
-          </a:p>
-          <a:p>
-            <a:endParaRPr lang="en-US" dirty="0"/>
-          </a:p>
-        </p:txBody>
-      </p:sp>
-    </p:spTree>
-    <p:extLst>
-      <p:ext uri="{BB962C8B-B14F-4D97-AF65-F5344CB8AC3E}">
-        <p14:creationId xmlns:p14="http://schemas.microsoft.com/office/powerpoint/2010/main" val="3709692071"/>
-      </p:ext>
-    </p:extLst>
-  </p:cSld>
-  <p:clrMapOvr>
-    <a:masterClrMapping/>
-  </p:clrMapOvr>
-</p:sld>
-</file>
-
-<file path=ppt/slides/slide5.xml><?xml version="1.0" encoding="utf-8"?>
-<p:sld xmlns:a="http://schemas.openxmlformats.org/drawingml/2006/main" xmlns:r="http://schemas.openxmlformats.org/officeDocument/2006/relationships" xmlns:p="http://schemas.openxmlformats.org/presentationml/2006/main">
-  <p:cSld>
-    <p:spTree>
-      <p:nvGrpSpPr>
-        <p:cNvPr id="1" name=""/>
-        <p:cNvGrpSpPr/>
-        <p:nvPr/>
-      </p:nvGrpSpPr>
-      <p:grpSpPr>
-        <a:xfrm>
-          <a:off x="0" y="0"/>
-          <a:ext cx="0" cy="0"/>
-          <a:chOff x="0" y="0"/>
-          <a:chExt cx="0" cy="0"/>
-        </a:xfrm>
-      </p:grpSpPr>
-      <p:sp>
-        <p:nvSpPr>
-          <p:cNvPr id="2" name="Title 1"/>
-          <p:cNvSpPr>
-            <a:spLocks noGrp="1"/>
-          </p:cNvSpPr>
-          <p:nvPr>
-            <p:ph type="title"/>
-          </p:nvPr>
-        </p:nvSpPr>
-        <p:spPr/>
-        <p:txBody>
-          <a:bodyPr/>
-          <a:lstStyle/>
-          <a:p>
-            <a:r>
-              <a:rPr lang="en-GB" dirty="0" smtClean="0"/>
-              <a:t>Privacy by Design - </a:t>
-            </a:r>
-            <a:r>
-              <a:rPr lang="en-GB" dirty="0" err="1" smtClean="0"/>
-              <a:t>Strategier</a:t>
-            </a:r>
-            <a:endParaRPr lang="en-US" dirty="0"/>
-          </a:p>
-        </p:txBody>
-      </p:sp>
-      <p:sp>
-        <p:nvSpPr>
-          <p:cNvPr id="3" name="Content Placeholder 2"/>
-          <p:cNvSpPr>
-            <a:spLocks noGrp="1"/>
-          </p:cNvSpPr>
-          <p:nvPr>
-            <p:ph idx="1"/>
-          </p:nvPr>
-        </p:nvSpPr>
-        <p:spPr/>
-        <p:txBody>
-          <a:bodyPr/>
-          <a:lstStyle/>
-          <a:p>
-            <a:r>
-              <a:rPr lang="en-GB" dirty="0" err="1" smtClean="0"/>
-              <a:t>Dataorienterede</a:t>
-            </a:r>
-            <a:endParaRPr lang="en-GB" dirty="0" smtClean="0"/>
-          </a:p>
-          <a:p>
-            <a:pPr lvl="1"/>
-            <a:r>
-              <a:rPr lang="en-GB" dirty="0" smtClean="0"/>
-              <a:t>Minimise</a:t>
-            </a:r>
-          </a:p>
-          <a:p>
-            <a:pPr lvl="1"/>
-            <a:r>
-              <a:rPr lang="en-GB" dirty="0" smtClean="0"/>
-              <a:t>Hide</a:t>
-            </a:r>
-          </a:p>
-          <a:p>
-            <a:pPr lvl="1"/>
-            <a:r>
-              <a:rPr lang="en-GB" dirty="0" smtClean="0"/>
-              <a:t>Separate</a:t>
-            </a:r>
-          </a:p>
-          <a:p>
-            <a:pPr lvl="1"/>
-            <a:r>
-              <a:rPr lang="en-GB" dirty="0" smtClean="0"/>
-              <a:t>Aggregate</a:t>
-            </a:r>
-          </a:p>
-          <a:p>
-            <a:r>
-              <a:rPr lang="en-GB" dirty="0" err="1" smtClean="0"/>
-              <a:t>Procesorienterede</a:t>
-            </a:r>
-            <a:endParaRPr lang="en-GB" dirty="0" smtClean="0"/>
-          </a:p>
-          <a:p>
-            <a:pPr lvl="1"/>
-            <a:r>
-              <a:rPr lang="en-GB" dirty="0" smtClean="0"/>
-              <a:t>Inform</a:t>
-            </a:r>
-          </a:p>
-          <a:p>
-            <a:pPr lvl="1"/>
-            <a:r>
-              <a:rPr lang="en-GB" dirty="0" smtClean="0"/>
-              <a:t>Control</a:t>
-            </a:r>
-          </a:p>
-          <a:p>
-            <a:pPr lvl="1"/>
-            <a:r>
-              <a:rPr lang="en-GB" dirty="0" smtClean="0"/>
-              <a:t>Enforce</a:t>
-            </a:r>
-          </a:p>
-          <a:p>
-            <a:pPr lvl="1"/>
-            <a:r>
-              <a:rPr lang="en-GB" dirty="0" smtClean="0"/>
-              <a:t>Demonstrate</a:t>
-            </a:r>
-            <a:endParaRPr lang="en-US" dirty="0"/>
-          </a:p>
-        </p:txBody>
-      </p:sp>
-    </p:spTree>
-    <p:extLst>
-      <p:ext uri="{BB962C8B-B14F-4D97-AF65-F5344CB8AC3E}">
-        <p14:creationId xmlns:p14="http://schemas.microsoft.com/office/powerpoint/2010/main" val="2301421316"/>
-      </p:ext>
-    </p:extLst>
-  </p:cSld>
-  <p:clrMapOvr>
-    <a:masterClrMapping/>
-  </p:clrMapOvr>
-</p:sld>
-</file>
-
-<file path=ppt/slides/slide6.xml><?xml version="1.0" encoding="utf-8"?>
-<p:sld xmlns:a="http://schemas.openxmlformats.org/drawingml/2006/main" xmlns:r="http://schemas.openxmlformats.org/officeDocument/2006/relationships" xmlns:p="http://schemas.openxmlformats.org/presentationml/2006/main">
-  <p:cSld>
-    <p:spTree>
-      <p:nvGrpSpPr>
-        <p:cNvPr id="1" name=""/>
-        <p:cNvGrpSpPr/>
-        <p:nvPr/>
-      </p:nvGrpSpPr>
-      <p:grpSpPr>
-        <a:xfrm>
-          <a:off x="0" y="0"/>
-          <a:ext cx="0" cy="0"/>
-          <a:chOff x="0" y="0"/>
-          <a:chExt cx="0" cy="0"/>
-        </a:xfrm>
-      </p:grpSpPr>
-      <p:sp>
-        <p:nvSpPr>
-          <p:cNvPr id="2" name="Title 1"/>
-          <p:cNvSpPr>
-            <a:spLocks noGrp="1"/>
-          </p:cNvSpPr>
-          <p:nvPr>
-            <p:ph type="title"/>
-          </p:nvPr>
-        </p:nvSpPr>
-        <p:spPr/>
-        <p:txBody>
-          <a:bodyPr/>
-          <a:lstStyle/>
-          <a:p>
-            <a:r>
-              <a:rPr lang="en-GB" dirty="0" smtClean="0">
-                <a:latin typeface="Bahnschrift Light" panose="020B0502040204020203" pitchFamily="34" charset="0"/>
-              </a:rPr>
-              <a:t>Security by Design</a:t>
-            </a:r>
-            <a:endParaRPr lang="en-US" dirty="0">
-              <a:latin typeface="Bahnschrift Light" panose="020B0502040204020203" pitchFamily="34" charset="0"/>
-            </a:endParaRPr>
-          </a:p>
-        </p:txBody>
-      </p:sp>
-      <p:sp>
-        <p:nvSpPr>
-          <p:cNvPr id="3" name="Content Placeholder 2"/>
-          <p:cNvSpPr>
-            <a:spLocks noGrp="1"/>
-          </p:cNvSpPr>
-          <p:nvPr>
-            <p:ph idx="1"/>
-          </p:nvPr>
-        </p:nvSpPr>
-        <p:spPr/>
-        <p:txBody>
-          <a:bodyPr/>
-          <a:lstStyle/>
-          <a:p>
-            <a:endParaRPr lang="en-US" dirty="0"/>
-          </a:p>
-        </p:txBody>
-      </p:sp>
-    </p:spTree>
-    <p:extLst>
-      <p:ext uri="{BB962C8B-B14F-4D97-AF65-F5344CB8AC3E}">
-        <p14:creationId xmlns:p14="http://schemas.microsoft.com/office/powerpoint/2010/main" val="3519985516"/>
-      </p:ext>
-    </p:extLst>
-  </p:cSld>
-  <p:clrMapOvr>
-    <a:masterClrMapping/>
-  </p:clrMapOvr>
-</p:sld>
-</file>
-
-<file path=ppt/slides/slide7.xml><?xml version="1.0" encoding="utf-8"?>
-<p:sld xmlns:a="http://schemas.openxmlformats.org/drawingml/2006/main" xmlns:r="http://schemas.openxmlformats.org/officeDocument/2006/relationships" xmlns:p="http://schemas.openxmlformats.org/presentationml/2006/main">
-  <p:cSld>
-    <p:spTree>
-      <p:nvGrpSpPr>
-        <p:cNvPr id="1" name=""/>
-        <p:cNvGrpSpPr/>
-        <p:nvPr/>
-      </p:nvGrpSpPr>
-      <p:grpSpPr>
-        <a:xfrm>
-          <a:off x="0" y="0"/>
-          <a:ext cx="0" cy="0"/>
-          <a:chOff x="0" y="0"/>
-          <a:chExt cx="0" cy="0"/>
-        </a:xfrm>
-      </p:grpSpPr>
-      <p:sp>
-        <p:nvSpPr>
-          <p:cNvPr id="2" name="Title 1"/>
-          <p:cNvSpPr>
-            <a:spLocks noGrp="1"/>
-          </p:cNvSpPr>
-          <p:nvPr>
-            <p:ph type="title"/>
-          </p:nvPr>
-        </p:nvSpPr>
-        <p:spPr/>
-        <p:txBody>
-          <a:bodyPr/>
-          <a:lstStyle/>
-          <a:p>
-            <a:r>
-              <a:rPr lang="en-GB" dirty="0" smtClean="0">
-                <a:latin typeface="Bahnschrift Light" panose="020B0502040204020203" pitchFamily="34" charset="0"/>
-              </a:rPr>
-              <a:t>Security principles</a:t>
-            </a:r>
-            <a:endParaRPr lang="en-US" dirty="0">
-              <a:latin typeface="Bahnschrift Light" panose="020B0502040204020203" pitchFamily="34" charset="0"/>
-            </a:endParaRPr>
-          </a:p>
-        </p:txBody>
-      </p:sp>
-      <p:sp>
-        <p:nvSpPr>
-          <p:cNvPr id="3" name="Content Placeholder 2"/>
-          <p:cNvSpPr>
-            <a:spLocks noGrp="1"/>
-          </p:cNvSpPr>
-          <p:nvPr>
-            <p:ph idx="1"/>
-          </p:nvPr>
-        </p:nvSpPr>
-        <p:spPr/>
-        <p:txBody>
-          <a:bodyPr>
-            <a:normAutofit fontScale="92500" lnSpcReduction="20000"/>
-          </a:bodyPr>
-          <a:lstStyle/>
-          <a:p>
-            <a:pPr>
-              <a:spcBef>
-                <a:spcPts val="1200"/>
-              </a:spcBef>
-            </a:pPr>
-            <a:r>
-              <a:rPr lang="en-GB" i="1" dirty="0" smtClean="0"/>
-              <a:t>Minimize attack surface</a:t>
-            </a:r>
-          </a:p>
-          <a:p>
-            <a:pPr>
-              <a:spcBef>
-                <a:spcPts val="1200"/>
-              </a:spcBef>
-            </a:pPr>
-            <a:r>
-              <a:rPr lang="en-GB" i="1" dirty="0" smtClean="0"/>
-              <a:t>Establish secure defaults</a:t>
-            </a:r>
-          </a:p>
-          <a:p>
-            <a:pPr>
-              <a:spcBef>
-                <a:spcPts val="1200"/>
-              </a:spcBef>
-            </a:pPr>
-            <a:r>
-              <a:rPr lang="en-GB" i="1" dirty="0" smtClean="0"/>
-              <a:t>Principle of least privilege</a:t>
-            </a:r>
-          </a:p>
-          <a:p>
-            <a:pPr>
-              <a:spcBef>
-                <a:spcPts val="1200"/>
-              </a:spcBef>
-            </a:pPr>
-            <a:r>
-              <a:rPr lang="en-GB" i="1" dirty="0" smtClean="0"/>
-              <a:t>Principle of defence in depth</a:t>
-            </a:r>
-          </a:p>
-          <a:p>
-            <a:pPr>
-              <a:spcBef>
-                <a:spcPts val="1200"/>
-              </a:spcBef>
-            </a:pPr>
-            <a:r>
-              <a:rPr lang="en-GB" i="1" dirty="0" smtClean="0"/>
-              <a:t>Fail securely</a:t>
-            </a:r>
-          </a:p>
-          <a:p>
-            <a:pPr>
-              <a:spcBef>
-                <a:spcPts val="1200"/>
-              </a:spcBef>
-            </a:pPr>
-            <a:r>
-              <a:rPr lang="en-GB" i="1" dirty="0" smtClean="0"/>
-              <a:t>Don’t trust services</a:t>
-            </a:r>
-          </a:p>
-          <a:p>
-            <a:pPr>
-              <a:spcBef>
-                <a:spcPts val="1200"/>
-              </a:spcBef>
-            </a:pPr>
-            <a:r>
-              <a:rPr lang="en-GB" i="1" dirty="0" err="1" smtClean="0"/>
-              <a:t>Seperation</a:t>
-            </a:r>
-            <a:r>
-              <a:rPr lang="en-GB" i="1" dirty="0" smtClean="0"/>
-              <a:t> of duties</a:t>
-            </a:r>
-          </a:p>
-          <a:p>
-            <a:pPr>
-              <a:spcBef>
-                <a:spcPts val="1200"/>
-              </a:spcBef>
-            </a:pPr>
-            <a:r>
-              <a:rPr lang="en-GB" i="1" dirty="0" smtClean="0"/>
-              <a:t>Avoid security by obscurity</a:t>
-            </a:r>
-          </a:p>
-          <a:p>
-            <a:pPr>
-              <a:spcBef>
-                <a:spcPts val="1200"/>
-              </a:spcBef>
-            </a:pPr>
-            <a:r>
-              <a:rPr lang="en-GB" i="1" dirty="0" smtClean="0"/>
-              <a:t>Keep security simple</a:t>
-            </a:r>
-          </a:p>
-          <a:p>
-            <a:pPr>
-              <a:spcBef>
-                <a:spcPts val="1200"/>
-              </a:spcBef>
-            </a:pPr>
-            <a:r>
-              <a:rPr lang="en-GB" i="1" dirty="0" smtClean="0"/>
-              <a:t>Fix security issues correctly</a:t>
-            </a:r>
-          </a:p>
-          <a:p>
-            <a:endParaRPr lang="en-US" i="1" dirty="0"/>
-          </a:p>
-        </p:txBody>
-      </p:sp>
-    </p:spTree>
-    <p:extLst>
-      <p:ext uri="{BB962C8B-B14F-4D97-AF65-F5344CB8AC3E}">
-        <p14:creationId xmlns:p14="http://schemas.microsoft.com/office/powerpoint/2010/main" val="2750623056"/>
       </p:ext>
     </p:extLst>
   </p:cSld>

--- a/4 - Fuzzing af applikationer.pptx
+++ b/4 - Fuzzing af applikationer.pptx
@@ -8,6 +8,10 @@
     <p:sldId id="256" r:id="rId2"/>
     <p:sldId id="260" r:id="rId3"/>
     <p:sldId id="262" r:id="rId4"/>
+    <p:sldId id="263" r:id="rId5"/>
+    <p:sldId id="264" r:id="rId6"/>
+    <p:sldId id="265" r:id="rId7"/>
+    <p:sldId id="266" r:id="rId8"/>
   </p:sldIdLst>
   <p:sldSz cx="12192000" cy="6858000"/>
   <p:notesSz cx="6858000" cy="9144000"/>
@@ -245,7 +249,7 @@
           <a:p>
             <a:fld id="{2D7FE219-F25D-49CA-BAF6-41155C8B64D3}" type="datetimeFigureOut">
               <a:rPr lang="en-US" smtClean="0"/>
-              <a:t>10/25/2021</a:t>
+              <a:t>10/26/2021</a:t>
             </a:fld>
             <a:endParaRPr lang="en-US"/>
           </a:p>
@@ -415,7 +419,7 @@
           <a:p>
             <a:fld id="{2D7FE219-F25D-49CA-BAF6-41155C8B64D3}" type="datetimeFigureOut">
               <a:rPr lang="en-US" smtClean="0"/>
-              <a:t>10/25/2021</a:t>
+              <a:t>10/26/2021</a:t>
             </a:fld>
             <a:endParaRPr lang="en-US"/>
           </a:p>
@@ -595,7 +599,7 @@
           <a:p>
             <a:fld id="{2D7FE219-F25D-49CA-BAF6-41155C8B64D3}" type="datetimeFigureOut">
               <a:rPr lang="en-US" smtClean="0"/>
-              <a:t>10/25/2021</a:t>
+              <a:t>10/26/2021</a:t>
             </a:fld>
             <a:endParaRPr lang="en-US"/>
           </a:p>
@@ -765,7 +769,7 @@
           <a:p>
             <a:fld id="{2D7FE219-F25D-49CA-BAF6-41155C8B64D3}" type="datetimeFigureOut">
               <a:rPr lang="en-US" smtClean="0"/>
-              <a:t>10/25/2021</a:t>
+              <a:t>10/26/2021</a:t>
             </a:fld>
             <a:endParaRPr lang="en-US"/>
           </a:p>
@@ -1011,7 +1015,7 @@
           <a:p>
             <a:fld id="{2D7FE219-F25D-49CA-BAF6-41155C8B64D3}" type="datetimeFigureOut">
               <a:rPr lang="en-US" smtClean="0"/>
-              <a:t>10/25/2021</a:t>
+              <a:t>10/26/2021</a:t>
             </a:fld>
             <a:endParaRPr lang="en-US"/>
           </a:p>
@@ -1243,7 +1247,7 @@
           <a:p>
             <a:fld id="{2D7FE219-F25D-49CA-BAF6-41155C8B64D3}" type="datetimeFigureOut">
               <a:rPr lang="en-US" smtClean="0"/>
-              <a:t>10/25/2021</a:t>
+              <a:t>10/26/2021</a:t>
             </a:fld>
             <a:endParaRPr lang="en-US"/>
           </a:p>
@@ -1610,7 +1614,7 @@
           <a:p>
             <a:fld id="{2D7FE219-F25D-49CA-BAF6-41155C8B64D3}" type="datetimeFigureOut">
               <a:rPr lang="en-US" smtClean="0"/>
-              <a:t>10/25/2021</a:t>
+              <a:t>10/26/2021</a:t>
             </a:fld>
             <a:endParaRPr lang="en-US"/>
           </a:p>
@@ -1728,7 +1732,7 @@
           <a:p>
             <a:fld id="{2D7FE219-F25D-49CA-BAF6-41155C8B64D3}" type="datetimeFigureOut">
               <a:rPr lang="en-US" smtClean="0"/>
-              <a:t>10/25/2021</a:t>
+              <a:t>10/26/2021</a:t>
             </a:fld>
             <a:endParaRPr lang="en-US"/>
           </a:p>
@@ -1823,7 +1827,7 @@
           <a:p>
             <a:fld id="{2D7FE219-F25D-49CA-BAF6-41155C8B64D3}" type="datetimeFigureOut">
               <a:rPr lang="en-US" smtClean="0"/>
-              <a:t>10/25/2021</a:t>
+              <a:t>10/26/2021</a:t>
             </a:fld>
             <a:endParaRPr lang="en-US"/>
           </a:p>
@@ -2100,7 +2104,7 @@
           <a:p>
             <a:fld id="{2D7FE219-F25D-49CA-BAF6-41155C8B64D3}" type="datetimeFigureOut">
               <a:rPr lang="en-US" smtClean="0"/>
-              <a:t>10/25/2021</a:t>
+              <a:t>10/26/2021</a:t>
             </a:fld>
             <a:endParaRPr lang="en-US"/>
           </a:p>
@@ -2353,7 +2357,7 @@
           <a:p>
             <a:fld id="{2D7FE219-F25D-49CA-BAF6-41155C8B64D3}" type="datetimeFigureOut">
               <a:rPr lang="en-US" smtClean="0"/>
-              <a:t>10/25/2021</a:t>
+              <a:t>10/26/2021</a:t>
             </a:fld>
             <a:endParaRPr lang="en-US"/>
           </a:p>
@@ -2566,7 +2570,7 @@
           <a:p>
             <a:fld id="{2D7FE219-F25D-49CA-BAF6-41155C8B64D3}" type="datetimeFigureOut">
               <a:rPr lang="en-US" smtClean="0"/>
-              <a:t>10/25/2021</a:t>
+              <a:t>10/26/2021</a:t>
             </a:fld>
             <a:endParaRPr lang="en-US"/>
           </a:p>
@@ -3900,11 +3904,7 @@
             </a:r>
             <a:r>
               <a:rPr lang="en-GB" dirty="0" smtClean="0"/>
-              <a:t> </a:t>
-            </a:r>
-            <a:r>
-              <a:rPr lang="en-GB" dirty="0" smtClean="0"/>
-              <a:t>= </a:t>
+              <a:t> = </a:t>
             </a:r>
             <a:r>
               <a:rPr lang="en-GB" dirty="0" err="1" smtClean="0"/>
@@ -3932,6 +3932,613 @@
   <p:clrMapOvr>
     <a:masterClrMapping/>
   </p:clrMapOvr>
+</p:sld>
+</file>
+
+<file path=ppt/slides/slide4.xml><?xml version="1.0" encoding="utf-8"?>
+<p:sld xmlns:a="http://schemas.openxmlformats.org/drawingml/2006/main" xmlns:r="http://schemas.openxmlformats.org/officeDocument/2006/relationships" xmlns:p="http://schemas.openxmlformats.org/presentationml/2006/main">
+  <p:cSld>
+    <p:spTree>
+      <p:nvGrpSpPr>
+        <p:cNvPr id="1" name=""/>
+        <p:cNvGrpSpPr/>
+        <p:nvPr/>
+      </p:nvGrpSpPr>
+      <p:grpSpPr>
+        <a:xfrm>
+          <a:off x="0" y="0"/>
+          <a:ext cx="0" cy="0"/>
+          <a:chOff x="0" y="0"/>
+          <a:chExt cx="0" cy="0"/>
+        </a:xfrm>
+      </p:grpSpPr>
+      <p:sp>
+        <p:nvSpPr>
+          <p:cNvPr id="2" name="Title 1"/>
+          <p:cNvSpPr>
+            <a:spLocks noGrp="1"/>
+          </p:cNvSpPr>
+          <p:nvPr>
+            <p:ph type="title"/>
+          </p:nvPr>
+        </p:nvSpPr>
+        <p:spPr/>
+        <p:txBody>
+          <a:bodyPr/>
+          <a:lstStyle/>
+          <a:p>
+            <a:r>
+              <a:rPr lang="en-GB" dirty="0" err="1" smtClean="0">
+                <a:latin typeface="Bahnschrift Light" panose="020B0502040204020203" pitchFamily="34" charset="0"/>
+              </a:rPr>
+              <a:t>Hvad</a:t>
+            </a:r>
+            <a:r>
+              <a:rPr lang="en-GB" dirty="0" smtClean="0">
+                <a:latin typeface="Bahnschrift Light" panose="020B0502040204020203" pitchFamily="34" charset="0"/>
+              </a:rPr>
+              <a:t> </a:t>
+            </a:r>
+            <a:r>
+              <a:rPr lang="en-GB" dirty="0" err="1" smtClean="0">
+                <a:latin typeface="Bahnschrift Light" panose="020B0502040204020203" pitchFamily="34" charset="0"/>
+              </a:rPr>
+              <a:t>er</a:t>
+            </a:r>
+            <a:r>
+              <a:rPr lang="en-GB" dirty="0" smtClean="0">
+                <a:latin typeface="Bahnschrift Light" panose="020B0502040204020203" pitchFamily="34" charset="0"/>
+              </a:rPr>
+              <a:t> fuzzing?</a:t>
+            </a:r>
+            <a:endParaRPr lang="en-US" dirty="0">
+              <a:latin typeface="Bahnschrift Light" panose="020B0502040204020203" pitchFamily="34" charset="0"/>
+            </a:endParaRPr>
+          </a:p>
+        </p:txBody>
+      </p:sp>
+      <p:sp>
+        <p:nvSpPr>
+          <p:cNvPr id="3" name="Content Placeholder 2"/>
+          <p:cNvSpPr>
+            <a:spLocks noGrp="1"/>
+          </p:cNvSpPr>
+          <p:nvPr>
+            <p:ph idx="1"/>
+          </p:nvPr>
+        </p:nvSpPr>
+        <p:spPr/>
+        <p:txBody>
+          <a:bodyPr/>
+          <a:lstStyle/>
+          <a:p>
+            <a:endParaRPr lang="en-GB" dirty="0" smtClean="0"/>
+          </a:p>
+          <a:p>
+            <a:endParaRPr lang="en-GB" dirty="0"/>
+          </a:p>
+          <a:p>
+            <a:endParaRPr lang="en-GB" dirty="0" smtClean="0"/>
+          </a:p>
+          <a:p>
+            <a:endParaRPr lang="en-GB" dirty="0"/>
+          </a:p>
+          <a:p>
+            <a:r>
+              <a:rPr lang="en-GB" dirty="0" err="1" smtClean="0"/>
+              <a:t>Simplificeret</a:t>
+            </a:r>
+            <a:endParaRPr lang="en-GB" dirty="0" smtClean="0"/>
+          </a:p>
+          <a:p>
+            <a:r>
+              <a:rPr lang="en-GB" dirty="0" err="1" smtClean="0"/>
+              <a:t>Fejl</a:t>
+            </a:r>
+            <a:r>
+              <a:rPr lang="en-GB" dirty="0" smtClean="0"/>
+              <a:t> </a:t>
+            </a:r>
+            <a:r>
+              <a:rPr lang="en-GB" dirty="0" err="1" smtClean="0"/>
+              <a:t>kan</a:t>
+            </a:r>
+            <a:r>
+              <a:rPr lang="en-GB" dirty="0" smtClean="0"/>
+              <a:t> </a:t>
+            </a:r>
+            <a:r>
+              <a:rPr lang="en-GB" dirty="0" err="1" smtClean="0"/>
+              <a:t>lede</a:t>
+            </a:r>
+            <a:r>
+              <a:rPr lang="en-GB" dirty="0" smtClean="0"/>
+              <a:t> </a:t>
+            </a:r>
+            <a:r>
+              <a:rPr lang="en-GB" dirty="0" err="1" smtClean="0"/>
+              <a:t>til</a:t>
+            </a:r>
+            <a:r>
+              <a:rPr lang="en-GB" dirty="0" smtClean="0"/>
+              <a:t> </a:t>
+            </a:r>
+            <a:r>
+              <a:rPr lang="en-GB" dirty="0" err="1" smtClean="0"/>
+              <a:t>kompromitering</a:t>
+            </a:r>
+            <a:endParaRPr lang="en-GB" dirty="0" smtClean="0"/>
+          </a:p>
+          <a:p>
+            <a:endParaRPr lang="en-US" dirty="0"/>
+          </a:p>
+        </p:txBody>
+      </p:sp>
+      <p:pic>
+        <p:nvPicPr>
+          <p:cNvPr id="4" name="Picture 3"/>
+          <p:cNvPicPr/>
+          <p:nvPr/>
+        </p:nvPicPr>
+        <p:blipFill>
+          <a:blip r:embed="rId2"/>
+          <a:srcRect l="993" t="1665" r="1966" b="1726"/>
+          <a:stretch/>
+        </p:blipFill>
+        <p:spPr>
+          <a:xfrm>
+            <a:off x="6096000" y="2379674"/>
+            <a:ext cx="5519160" cy="3243240"/>
+          </a:xfrm>
+          <a:prstGeom prst="rect">
+            <a:avLst/>
+          </a:prstGeom>
+          <a:ln w="0">
+            <a:noFill/>
+          </a:ln>
+        </p:spPr>
+      </p:pic>
+      <p:sp>
+        <p:nvSpPr>
+          <p:cNvPr id="5" name="TextBox 4"/>
+          <p:cNvSpPr txBox="1"/>
+          <p:nvPr/>
+        </p:nvSpPr>
+        <p:spPr>
+          <a:xfrm>
+            <a:off x="838200" y="1690688"/>
+            <a:ext cx="5470497" cy="1754326"/>
+          </a:xfrm>
+          <a:prstGeom prst="rect">
+            <a:avLst/>
+          </a:prstGeom>
+          <a:noFill/>
+        </p:spPr>
+        <p:txBody>
+          <a:bodyPr wrap="square" rtlCol="0">
+            <a:spAutoFit/>
+          </a:bodyPr>
+          <a:lstStyle/>
+          <a:p>
+            <a:pPr algn="just"/>
+            <a:r>
+              <a:rPr lang="en-GB" b="1" dirty="0" smtClean="0"/>
+              <a:t>“Fuzzing</a:t>
+            </a:r>
+            <a:r>
+              <a:rPr lang="en-GB" dirty="0" smtClean="0"/>
+              <a:t> </a:t>
+            </a:r>
+            <a:r>
+              <a:rPr lang="en-GB" dirty="0"/>
+              <a:t>or </a:t>
+            </a:r>
+            <a:r>
+              <a:rPr lang="en-GB" b="1" dirty="0"/>
+              <a:t>fuzz testing</a:t>
+            </a:r>
+            <a:r>
+              <a:rPr lang="en-GB" dirty="0"/>
+              <a:t> is an automated software testing technique that involves providing invalid, unexpected, or random data as inputs to a computer program. The program is then monitored for exceptions such as crashes, failing built-in code assertions, or potential memory leaks</a:t>
+            </a:r>
+            <a:r>
+              <a:rPr lang="en-GB" dirty="0" smtClean="0"/>
+              <a:t>.” - </a:t>
+            </a:r>
+            <a:r>
+              <a:rPr lang="en-GB" i="1" dirty="0" smtClean="0"/>
+              <a:t>Wikipedia</a:t>
+            </a:r>
+            <a:endParaRPr lang="en-US" i="1" dirty="0"/>
+          </a:p>
+        </p:txBody>
+      </p:sp>
+    </p:spTree>
+    <p:extLst>
+      <p:ext uri="{BB962C8B-B14F-4D97-AF65-F5344CB8AC3E}">
+        <p14:creationId xmlns:p14="http://schemas.microsoft.com/office/powerpoint/2010/main" val="594877011"/>
+      </p:ext>
+    </p:extLst>
+  </p:cSld>
+  <p:clrMapOvr>
+    <a:masterClrMapping/>
+  </p:clrMapOvr>
+  <p:timing>
+    <p:tnLst>
+      <p:par>
+        <p:cTn id="1" dur="indefinite" restart="never" nodeType="tmRoot"/>
+      </p:par>
+    </p:tnLst>
+  </p:timing>
+</p:sld>
+</file>
+
+<file path=ppt/slides/slide5.xml><?xml version="1.0" encoding="utf-8"?>
+<p:sld xmlns:a="http://schemas.openxmlformats.org/drawingml/2006/main" xmlns:r="http://schemas.openxmlformats.org/officeDocument/2006/relationships" xmlns:p="http://schemas.openxmlformats.org/presentationml/2006/main">
+  <p:cSld>
+    <p:spTree>
+      <p:nvGrpSpPr>
+        <p:cNvPr id="1" name=""/>
+        <p:cNvGrpSpPr/>
+        <p:nvPr/>
+      </p:nvGrpSpPr>
+      <p:grpSpPr>
+        <a:xfrm>
+          <a:off x="0" y="0"/>
+          <a:ext cx="0" cy="0"/>
+          <a:chOff x="0" y="0"/>
+          <a:chExt cx="0" cy="0"/>
+        </a:xfrm>
+      </p:grpSpPr>
+      <p:sp>
+        <p:nvSpPr>
+          <p:cNvPr id="2" name="Title 1"/>
+          <p:cNvSpPr>
+            <a:spLocks noGrp="1"/>
+          </p:cNvSpPr>
+          <p:nvPr>
+            <p:ph type="title"/>
+          </p:nvPr>
+        </p:nvSpPr>
+        <p:spPr/>
+        <p:txBody>
+          <a:bodyPr/>
+          <a:lstStyle/>
+          <a:p>
+            <a:r>
+              <a:rPr lang="en-GB" dirty="0" err="1" smtClean="0">
+                <a:latin typeface="Bahnschrift Light" panose="020B0502040204020203" pitchFamily="34" charset="0"/>
+              </a:rPr>
+              <a:t>Simpelt</a:t>
+            </a:r>
+            <a:r>
+              <a:rPr lang="en-GB" dirty="0" smtClean="0">
+                <a:latin typeface="Bahnschrift Light" panose="020B0502040204020203" pitchFamily="34" charset="0"/>
+              </a:rPr>
+              <a:t> </a:t>
+            </a:r>
+            <a:r>
+              <a:rPr lang="en-GB" dirty="0" err="1" smtClean="0">
+                <a:latin typeface="Bahnschrift Light" panose="020B0502040204020203" pitchFamily="34" charset="0"/>
+              </a:rPr>
+              <a:t>eksempel</a:t>
+            </a:r>
+            <a:endParaRPr lang="en-US" dirty="0">
+              <a:latin typeface="Bahnschrift Light" panose="020B0502040204020203" pitchFamily="34" charset="0"/>
+            </a:endParaRPr>
+          </a:p>
+        </p:txBody>
+      </p:sp>
+      <p:sp>
+        <p:nvSpPr>
+          <p:cNvPr id="3" name="Content Placeholder 2"/>
+          <p:cNvSpPr>
+            <a:spLocks noGrp="1"/>
+          </p:cNvSpPr>
+          <p:nvPr>
+            <p:ph idx="1"/>
+          </p:nvPr>
+        </p:nvSpPr>
+        <p:spPr/>
+        <p:txBody>
+          <a:bodyPr/>
+          <a:lstStyle/>
+          <a:p>
+            <a:pPr marL="0" indent="0">
+              <a:buNone/>
+            </a:pPr>
+            <a:r>
+              <a:rPr lang="en-GB" dirty="0" smtClean="0"/>
+              <a:t>$ </a:t>
+            </a:r>
+            <a:r>
+              <a:rPr lang="en-GB" dirty="0" err="1" smtClean="0"/>
+              <a:t>perl</a:t>
+            </a:r>
+            <a:r>
+              <a:rPr lang="en-GB" dirty="0" smtClean="0"/>
+              <a:t> print ‘A’x100</a:t>
+            </a:r>
+          </a:p>
+          <a:p>
+            <a:pPr marL="0" indent="0">
+              <a:buNone/>
+            </a:pPr>
+            <a:endParaRPr lang="en-GB" dirty="0"/>
+          </a:p>
+          <a:p>
+            <a:r>
+              <a:rPr lang="en-GB" dirty="0" smtClean="0"/>
+              <a:t>Buffer overflows</a:t>
+            </a:r>
+            <a:endParaRPr lang="en-US" dirty="0"/>
+          </a:p>
+        </p:txBody>
+      </p:sp>
+    </p:spTree>
+    <p:extLst>
+      <p:ext uri="{BB962C8B-B14F-4D97-AF65-F5344CB8AC3E}">
+        <p14:creationId xmlns:p14="http://schemas.microsoft.com/office/powerpoint/2010/main" val="1088540408"/>
+      </p:ext>
+    </p:extLst>
+  </p:cSld>
+  <p:clrMapOvr>
+    <a:masterClrMapping/>
+  </p:clrMapOvr>
+  <p:timing>
+    <p:tnLst>
+      <p:par>
+        <p:cTn id="1" dur="indefinite" restart="never" nodeType="tmRoot"/>
+      </p:par>
+    </p:tnLst>
+  </p:timing>
+</p:sld>
+</file>
+
+<file path=ppt/slides/slide6.xml><?xml version="1.0" encoding="utf-8"?>
+<p:sld xmlns:a="http://schemas.openxmlformats.org/drawingml/2006/main" xmlns:r="http://schemas.openxmlformats.org/officeDocument/2006/relationships" xmlns:p="http://schemas.openxmlformats.org/presentationml/2006/main">
+  <p:cSld>
+    <p:spTree>
+      <p:nvGrpSpPr>
+        <p:cNvPr id="1" name=""/>
+        <p:cNvGrpSpPr/>
+        <p:nvPr/>
+      </p:nvGrpSpPr>
+      <p:grpSpPr>
+        <a:xfrm>
+          <a:off x="0" y="0"/>
+          <a:ext cx="0" cy="0"/>
+          <a:chOff x="0" y="0"/>
+          <a:chExt cx="0" cy="0"/>
+        </a:xfrm>
+      </p:grpSpPr>
+      <p:sp>
+        <p:nvSpPr>
+          <p:cNvPr id="2" name="Title 1"/>
+          <p:cNvSpPr>
+            <a:spLocks noGrp="1"/>
+          </p:cNvSpPr>
+          <p:nvPr>
+            <p:ph type="title"/>
+          </p:nvPr>
+        </p:nvSpPr>
+        <p:spPr/>
+        <p:txBody>
+          <a:bodyPr/>
+          <a:lstStyle/>
+          <a:p>
+            <a:r>
+              <a:rPr lang="en-GB" dirty="0" err="1" smtClean="0">
+                <a:latin typeface="Bahnschrift Light" panose="020B0502040204020203" pitchFamily="34" charset="0"/>
+              </a:rPr>
+              <a:t>Hvad</a:t>
+            </a:r>
+            <a:r>
+              <a:rPr lang="en-GB" dirty="0" smtClean="0">
+                <a:latin typeface="Bahnschrift Light" panose="020B0502040204020203" pitchFamily="34" charset="0"/>
+              </a:rPr>
+              <a:t> </a:t>
+            </a:r>
+            <a:r>
+              <a:rPr lang="en-GB" dirty="0" err="1" smtClean="0">
+                <a:latin typeface="Bahnschrift Light" panose="020B0502040204020203" pitchFamily="34" charset="0"/>
+              </a:rPr>
+              <a:t>kan</a:t>
+            </a:r>
+            <a:r>
+              <a:rPr lang="en-GB" dirty="0" smtClean="0">
+                <a:latin typeface="Bahnschrift Light" panose="020B0502040204020203" pitchFamily="34" charset="0"/>
+              </a:rPr>
+              <a:t> man </a:t>
+            </a:r>
+            <a:r>
+              <a:rPr lang="en-GB" dirty="0" err="1" smtClean="0">
+                <a:latin typeface="Bahnschrift Light" panose="020B0502040204020203" pitchFamily="34" charset="0"/>
+              </a:rPr>
+              <a:t>fuzze</a:t>
+            </a:r>
+            <a:r>
+              <a:rPr lang="en-GB" dirty="0" smtClean="0">
+                <a:latin typeface="Bahnschrift Light" panose="020B0502040204020203" pitchFamily="34" charset="0"/>
+              </a:rPr>
+              <a:t>?</a:t>
+            </a:r>
+            <a:endParaRPr lang="en-US" dirty="0">
+              <a:latin typeface="Bahnschrift Light" panose="020B0502040204020203" pitchFamily="34" charset="0"/>
+            </a:endParaRPr>
+          </a:p>
+        </p:txBody>
+      </p:sp>
+      <p:sp>
+        <p:nvSpPr>
+          <p:cNvPr id="3" name="Content Placeholder 2"/>
+          <p:cNvSpPr>
+            <a:spLocks noGrp="1"/>
+          </p:cNvSpPr>
+          <p:nvPr>
+            <p:ph idx="1"/>
+          </p:nvPr>
+        </p:nvSpPr>
+        <p:spPr/>
+        <p:txBody>
+          <a:bodyPr/>
+          <a:lstStyle/>
+          <a:p>
+            <a:r>
+              <a:rPr lang="en-GB" dirty="0" smtClean="0"/>
+              <a:t>… Mange ting!</a:t>
+            </a:r>
+          </a:p>
+          <a:p>
+            <a:r>
+              <a:rPr lang="en-GB" dirty="0" smtClean="0"/>
+              <a:t>Inputs</a:t>
+            </a:r>
+          </a:p>
+          <a:p>
+            <a:pPr lvl="1"/>
+            <a:r>
+              <a:rPr lang="en-GB" dirty="0" err="1" smtClean="0"/>
+              <a:t>Webforms</a:t>
+            </a:r>
+            <a:endParaRPr lang="en-GB" dirty="0" smtClean="0"/>
+          </a:p>
+          <a:p>
+            <a:pPr lvl="1"/>
+            <a:r>
+              <a:rPr lang="en-GB" dirty="0" smtClean="0"/>
+              <a:t>Logins</a:t>
+            </a:r>
+          </a:p>
+          <a:p>
+            <a:pPr lvl="1"/>
+            <a:r>
+              <a:rPr lang="en-GB" dirty="0" smtClean="0"/>
+              <a:t>Programmer</a:t>
+            </a:r>
+          </a:p>
+          <a:p>
+            <a:pPr lvl="1"/>
+            <a:endParaRPr lang="en-US" dirty="0"/>
+          </a:p>
+        </p:txBody>
+      </p:sp>
+    </p:spTree>
+    <p:extLst>
+      <p:ext uri="{BB962C8B-B14F-4D97-AF65-F5344CB8AC3E}">
+        <p14:creationId xmlns:p14="http://schemas.microsoft.com/office/powerpoint/2010/main" val="661301376"/>
+      </p:ext>
+    </p:extLst>
+  </p:cSld>
+  <p:clrMapOvr>
+    <a:masterClrMapping/>
+  </p:clrMapOvr>
+  <p:timing>
+    <p:tnLst>
+      <p:par>
+        <p:cTn id="1" dur="indefinite" restart="never" nodeType="tmRoot"/>
+      </p:par>
+    </p:tnLst>
+  </p:timing>
+</p:sld>
+</file>
+
+<file path=ppt/slides/slide7.xml><?xml version="1.0" encoding="utf-8"?>
+<p:sld xmlns:a="http://schemas.openxmlformats.org/drawingml/2006/main" xmlns:r="http://schemas.openxmlformats.org/officeDocument/2006/relationships" xmlns:p="http://schemas.openxmlformats.org/presentationml/2006/main">
+  <p:cSld>
+    <p:spTree>
+      <p:nvGrpSpPr>
+        <p:cNvPr id="1" name=""/>
+        <p:cNvGrpSpPr/>
+        <p:nvPr/>
+      </p:nvGrpSpPr>
+      <p:grpSpPr>
+        <a:xfrm>
+          <a:off x="0" y="0"/>
+          <a:ext cx="0" cy="0"/>
+          <a:chOff x="0" y="0"/>
+          <a:chExt cx="0" cy="0"/>
+        </a:xfrm>
+      </p:grpSpPr>
+      <p:sp>
+        <p:nvSpPr>
+          <p:cNvPr id="2" name="Title 1"/>
+          <p:cNvSpPr>
+            <a:spLocks noGrp="1"/>
+          </p:cNvSpPr>
+          <p:nvPr>
+            <p:ph type="title"/>
+          </p:nvPr>
+        </p:nvSpPr>
+        <p:spPr/>
+        <p:txBody>
+          <a:bodyPr/>
+          <a:lstStyle/>
+          <a:p>
+            <a:r>
+              <a:rPr lang="en-GB" dirty="0" smtClean="0">
+                <a:latin typeface="Bahnschrift Light" panose="020B0502040204020203" pitchFamily="34" charset="0"/>
+              </a:rPr>
+              <a:t>Fuzzing tools</a:t>
+            </a:r>
+            <a:endParaRPr lang="en-US" dirty="0">
+              <a:latin typeface="Bahnschrift Light" panose="020B0502040204020203" pitchFamily="34" charset="0"/>
+            </a:endParaRPr>
+          </a:p>
+        </p:txBody>
+      </p:sp>
+      <p:sp>
+        <p:nvSpPr>
+          <p:cNvPr id="3" name="Content Placeholder 2"/>
+          <p:cNvSpPr>
+            <a:spLocks noGrp="1"/>
+          </p:cNvSpPr>
+          <p:nvPr>
+            <p:ph idx="1"/>
+          </p:nvPr>
+        </p:nvSpPr>
+        <p:spPr/>
+        <p:txBody>
+          <a:bodyPr/>
+          <a:lstStyle/>
+          <a:p>
+            <a:r>
+              <a:rPr lang="en-GB" dirty="0" err="1" smtClean="0"/>
+              <a:t>Scapy</a:t>
+            </a:r>
+            <a:endParaRPr lang="en-GB" dirty="0" smtClean="0"/>
+          </a:p>
+          <a:p>
+            <a:r>
+              <a:rPr lang="en-GB" dirty="0" smtClean="0"/>
+              <a:t>American Fuzzy LOP</a:t>
+            </a:r>
+          </a:p>
+          <a:p>
+            <a:r>
+              <a:rPr lang="en-GB" smtClean="0"/>
+              <a:t>Sulley</a:t>
+            </a:r>
+          </a:p>
+        </p:txBody>
+      </p:sp>
+    </p:spTree>
+    <p:extLst>
+      <p:ext uri="{BB962C8B-B14F-4D97-AF65-F5344CB8AC3E}">
+        <p14:creationId xmlns:p14="http://schemas.microsoft.com/office/powerpoint/2010/main" val="3413807206"/>
+      </p:ext>
+    </p:extLst>
+  </p:cSld>
+  <p:clrMapOvr>
+    <a:masterClrMapping/>
+  </p:clrMapOvr>
+  <p:timing>
+    <p:tnLst>
+      <p:par>
+        <p:cTn id="1" dur="indefinite" restart="never" nodeType="tmRoot"/>
+      </p:par>
+    </p:tnLst>
+  </p:timing>
 </p:sld>
 </file>
 
